--- a/研究生毕业设计/文档管理/毕业设计开题.pptx
+++ b/研究生毕业设计/文档管理/毕业设计开题.pptx
@@ -542,7 +542,7 @@
           <a:p>
             <a:fld id="{530820CF-B880-4189-942D-D702A7CBA730}" type="datetimeFigureOut">
               <a:rPr lang="zh-CN" altLang="en-US" smtClean="0"/>
-              <a:t>2013/6/29</a:t>
+              <a:t>2013/6/30</a:t>
             </a:fld>
             <a:endParaRPr lang="zh-CN" altLang="en-US"/>
           </a:p>
@@ -754,7 +754,7 @@
           <a:p>
             <a:fld id="{530820CF-B880-4189-942D-D702A7CBA730}" type="datetimeFigureOut">
               <a:rPr lang="zh-CN" altLang="en-US" smtClean="0"/>
-              <a:t>2013/6/29</a:t>
+              <a:t>2013/6/30</a:t>
             </a:fld>
             <a:endParaRPr lang="zh-CN" altLang="en-US"/>
           </a:p>
@@ -941,7 +941,7 @@
           <a:p>
             <a:fld id="{530820CF-B880-4189-942D-D702A7CBA730}" type="datetimeFigureOut">
               <a:rPr lang="zh-CN" altLang="en-US" smtClean="0"/>
-              <a:t>2013/6/29</a:t>
+              <a:t>2013/6/30</a:t>
             </a:fld>
             <a:endParaRPr lang="zh-CN" altLang="en-US"/>
           </a:p>
@@ -1038,7 +1038,7 @@
           <a:p>
             <a:fld id="{530820CF-B880-4189-942D-D702A7CBA730}" type="datetimeFigureOut">
               <a:rPr lang="zh-CN" altLang="en-US" smtClean="0"/>
-              <a:t>2013/6/29</a:t>
+              <a:t>2013/6/30</a:t>
             </a:fld>
             <a:endParaRPr lang="zh-CN" altLang="en-US"/>
           </a:p>
@@ -1634,7 +1634,7 @@
           <a:p>
             <a:fld id="{530820CF-B880-4189-942D-D702A7CBA730}" type="datetimeFigureOut">
               <a:rPr lang="zh-CN" altLang="en-US" smtClean="0"/>
-              <a:t>2013/6/29</a:t>
+              <a:t>2013/6/30</a:t>
             </a:fld>
             <a:endParaRPr lang="zh-CN" altLang="en-US"/>
           </a:p>
@@ -1731,7 +1731,7 @@
           <a:p>
             <a:fld id="{530820CF-B880-4189-942D-D702A7CBA730}" type="datetimeFigureOut">
               <a:rPr lang="zh-CN" altLang="en-US" smtClean="0"/>
-              <a:t>2013/6/29</a:t>
+              <a:t>2013/6/30</a:t>
             </a:fld>
             <a:endParaRPr lang="zh-CN" altLang="en-US"/>
           </a:p>
@@ -2336,7 +2336,7 @@
           <a:p>
             <a:fld id="{530820CF-B880-4189-942D-D702A7CBA730}" type="datetimeFigureOut">
               <a:rPr lang="zh-CN" altLang="en-US" smtClean="0"/>
-              <a:t>2013/6/29</a:t>
+              <a:t>2013/6/30</a:t>
             </a:fld>
             <a:endParaRPr lang="zh-CN" altLang="en-US"/>
           </a:p>
@@ -2479,7 +2479,7 @@
           <a:p>
             <a:fld id="{530820CF-B880-4189-942D-D702A7CBA730}" type="datetimeFigureOut">
               <a:rPr lang="zh-CN" altLang="en-US" smtClean="0"/>
-              <a:t>2013/6/29</a:t>
+              <a:t>2013/6/30</a:t>
             </a:fld>
             <a:endParaRPr lang="zh-CN" altLang="en-US"/>
           </a:p>
@@ -2576,7 +2576,7 @@
           <a:p>
             <a:fld id="{530820CF-B880-4189-942D-D702A7CBA730}" type="datetimeFigureOut">
               <a:rPr lang="zh-CN" altLang="en-US" smtClean="0"/>
-              <a:t>2013/6/29</a:t>
+              <a:t>2013/6/30</a:t>
             </a:fld>
             <a:endParaRPr lang="zh-CN" altLang="en-US"/>
           </a:p>
@@ -2860,7 +2860,7 @@
           <a:p>
             <a:fld id="{530820CF-B880-4189-942D-D702A7CBA730}" type="datetimeFigureOut">
               <a:rPr lang="zh-CN" altLang="en-US" smtClean="0"/>
-              <a:t>2013/6/29</a:t>
+              <a:t>2013/6/30</a:t>
             </a:fld>
             <a:endParaRPr lang="zh-CN" altLang="en-US"/>
           </a:p>
@@ -3382,7 +3382,7 @@
           <a:p>
             <a:fld id="{530820CF-B880-4189-942D-D702A7CBA730}" type="datetimeFigureOut">
               <a:rPr lang="zh-CN" altLang="en-US" smtClean="0"/>
-              <a:t>2013/6/29</a:t>
+              <a:t>2013/6/30</a:t>
             </a:fld>
             <a:endParaRPr lang="zh-CN" altLang="en-US"/>
           </a:p>
@@ -3902,7 +3902,7 @@
           <a:p>
             <a:fld id="{530820CF-B880-4189-942D-D702A7CBA730}" type="datetimeFigureOut">
               <a:rPr lang="zh-CN" altLang="en-US" smtClean="0"/>
-              <a:t>2013/6/29</a:t>
+              <a:t>2013/6/30</a:t>
             </a:fld>
             <a:endParaRPr lang="zh-CN" altLang="en-US"/>
           </a:p>
@@ -4528,15 +4528,7 @@
           <a:p>
             <a:r>
               <a:rPr lang="zh-CN" altLang="en-US" dirty="0" smtClean="0"/>
-              <a:t>基于</a:t>
-            </a:r>
-            <a:r>
-              <a:rPr lang="zh-CN" altLang="en-US" dirty="0" smtClean="0"/>
-              <a:t>云处理的</a:t>
-            </a:r>
-            <a:r>
-              <a:rPr lang="zh-CN" altLang="en-US" dirty="0" smtClean="0"/>
-              <a:t>视频摘要</a:t>
+              <a:t>基于云处理的视频摘要</a:t>
             </a:r>
             <a:r>
               <a:rPr lang="zh-CN" altLang="en-US" dirty="0"/>
@@ -4709,6 +4701,13 @@
   <p:clrMapOvr>
     <a:masterClrMapping/>
   </p:clrMapOvr>
+  <p:timing>
+    <p:tnLst>
+      <p:par>
+        <p:cTn id="1" dur="indefinite" restart="never" nodeType="tmRoot"/>
+      </p:par>
+    </p:tnLst>
+  </p:timing>
 </p:sld>
 </file>
 
@@ -4860,6 +4859,13 @@
   <p:clrMapOvr>
     <a:masterClrMapping/>
   </p:clrMapOvr>
+  <p:timing>
+    <p:tnLst>
+      <p:par>
+        <p:cTn id="1" dur="indefinite" restart="never" nodeType="tmRoot"/>
+      </p:par>
+    </p:tnLst>
+  </p:timing>
 </p:sld>
 </file>
 
@@ -5102,11 +5108,7 @@
           <a:p>
             <a:r>
               <a:rPr lang="zh-CN" altLang="en-US" dirty="0" smtClean="0"/>
-              <a:t>应用</a:t>
-            </a:r>
-            <a:r>
-              <a:rPr lang="zh-CN" altLang="en-US" dirty="0" smtClean="0"/>
-              <a:t>举例</a:t>
+              <a:t>应用举例</a:t>
             </a:r>
             <a:endParaRPr lang="zh-CN" altLang="en-US" dirty="0"/>
           </a:p>
@@ -6847,11 +6849,7 @@
           <a:p>
             <a:r>
               <a:rPr lang="zh-CN" altLang="en-US" dirty="0" smtClean="0"/>
-              <a:t>解决</a:t>
-            </a:r>
-            <a:r>
-              <a:rPr lang="zh-CN" altLang="en-US" dirty="0" smtClean="0"/>
-              <a:t>方案</a:t>
+              <a:t>解决方案</a:t>
             </a:r>
             <a:endParaRPr lang="zh-CN" altLang="en-US" dirty="0"/>
           </a:p>
@@ -7166,11 +7164,6 @@
               </a:rPr>
               <a:t>基于云处理的视频摘要和视频信息检索</a:t>
             </a:r>
-            <a:endParaRPr lang="zh-CN" altLang="en-US" sz="3200" dirty="0">
-              <a:solidFill>
-                <a:schemeClr val="tx1"/>
-              </a:solidFill>
-            </a:endParaRPr>
           </a:p>
         </p:txBody>
       </p:sp>
@@ -7323,6 +7316,13 @@
   <p:clrMapOvr>
     <a:masterClrMapping/>
   </p:clrMapOvr>
+  <p:timing>
+    <p:tnLst>
+      <p:par>
+        <p:cTn id="1" dur="indefinite" restart="never" nodeType="tmRoot"/>
+      </p:par>
+    </p:tnLst>
+  </p:timing>
 </p:sld>
 </file>
 
@@ -7379,7 +7379,7 @@
         </p:nvSpPr>
         <p:spPr>
           <a:xfrm>
-            <a:off x="683568" y="2724015"/>
+            <a:off x="683568" y="2474312"/>
             <a:ext cx="2031325" cy="738664"/>
           </a:xfrm>
           <a:prstGeom prst="rect">
@@ -7506,11 +7506,7 @@
             </a:r>
             <a:r>
               <a:rPr lang="zh-CN" altLang="en-US" sz="2000" dirty="0" smtClean="0"/>
-              <a:t>物体</a:t>
-            </a:r>
-            <a:r>
-              <a:rPr lang="zh-CN" altLang="en-US" sz="2000" dirty="0" smtClean="0"/>
-              <a:t>跟踪：矩形轮廓匹配</a:t>
+              <a:t>物体跟踪：矩形轮廓匹配</a:t>
             </a:r>
             <a:endParaRPr lang="en-US" altLang="zh-CN" sz="2000" dirty="0"/>
           </a:p>
@@ -7541,11 +7537,7 @@
             <a:pPr algn="ctr"/>
             <a:r>
               <a:rPr lang="zh-CN" altLang="en-US" sz="2000" dirty="0" smtClean="0"/>
-              <a:t>视频摘要</a:t>
-            </a:r>
-            <a:r>
-              <a:rPr lang="zh-CN" altLang="en-US" sz="2000" dirty="0" smtClean="0"/>
-              <a:t>生成：蛮力法</a:t>
+              <a:t>视频摘要生成：蛮力法</a:t>
             </a:r>
             <a:endParaRPr lang="en-US" altLang="zh-CN" sz="2000" dirty="0"/>
           </a:p>
@@ -7692,6 +7684,13 @@
   <p:clrMapOvr>
     <a:masterClrMapping/>
   </p:clrMapOvr>
+  <p:timing>
+    <p:tnLst>
+      <p:par>
+        <p:cTn id="1" dur="indefinite" restart="never" nodeType="tmRoot"/>
+      </p:par>
+    </p:tnLst>
+  </p:timing>
 </p:sld>
 </file>
 
@@ -7733,8 +7732,16 @@
           <a:lstStyle/>
           <a:p>
             <a:r>
+              <a:rPr lang="zh-CN" altLang="en-US" smtClean="0"/>
+              <a:t>特征提取</a:t>
+            </a:r>
+            <a:r>
+              <a:rPr lang="zh-CN" altLang="en-US" smtClean="0"/>
+              <a:t>关键</a:t>
+            </a:r>
+            <a:r>
               <a:rPr lang="zh-CN" altLang="en-US" dirty="0" smtClean="0"/>
-              <a:t>关键技术</a:t>
+              <a:t>技术</a:t>
             </a:r>
             <a:endParaRPr lang="zh-CN" altLang="en-US" dirty="0"/>
           </a:p>
@@ -7802,11 +7809,7 @@
           <a:p>
             <a:r>
               <a:rPr lang="zh-CN" altLang="en-US" sz="2000" dirty="0" smtClean="0"/>
-              <a:t>颜色</a:t>
-            </a:r>
-            <a:r>
-              <a:rPr lang="zh-CN" altLang="en-US" sz="2000" dirty="0" smtClean="0"/>
-              <a:t>特征：颜色直方图</a:t>
+              <a:t>颜色特征：颜色直方图</a:t>
             </a:r>
             <a:endParaRPr lang="zh-CN" altLang="en-US" sz="2000" dirty="0"/>
           </a:p>
@@ -7838,11 +7841,7 @@
             </a:pPr>
             <a:r>
               <a:rPr lang="zh-CN" altLang="en-US" sz="2000" dirty="0" smtClean="0"/>
-              <a:t>运动</a:t>
-            </a:r>
-            <a:r>
-              <a:rPr lang="zh-CN" altLang="en-US" sz="2000" dirty="0" smtClean="0"/>
-              <a:t>方向：轨迹跟踪</a:t>
+              <a:t>运动方向：轨迹跟踪</a:t>
             </a:r>
             <a:endParaRPr lang="en-US" altLang="zh-CN" sz="2000" dirty="0"/>
           </a:p>
@@ -7874,11 +7873,7 @@
             </a:pPr>
             <a:r>
               <a:rPr lang="zh-CN" altLang="en-US" sz="2000" dirty="0" smtClean="0"/>
-              <a:t>目标</a:t>
-            </a:r>
-            <a:r>
-              <a:rPr lang="zh-CN" altLang="en-US" sz="2000" dirty="0" smtClean="0"/>
-              <a:t>类型：行人分类器和车辆分类器等</a:t>
+              <a:t>目标类型：行人分类器和车辆分类器等</a:t>
             </a:r>
             <a:endParaRPr lang="en-US" altLang="zh-CN" sz="2000" dirty="0"/>
           </a:p>
@@ -7910,11 +7905,7 @@
             </a:pPr>
             <a:r>
               <a:rPr lang="zh-CN" altLang="en-US" sz="2000" dirty="0" smtClean="0"/>
-              <a:t>入侵</a:t>
-            </a:r>
-            <a:r>
-              <a:rPr lang="zh-CN" altLang="en-US" sz="2000" dirty="0" smtClean="0"/>
-              <a:t>区域：轨迹跟踪</a:t>
+              <a:t>入侵区域：轨迹跟踪</a:t>
             </a:r>
             <a:endParaRPr lang="en-US" altLang="zh-CN" sz="2000" dirty="0"/>
           </a:p>

--- a/研究生毕业设计/文档管理/毕业设计开题.pptx
+++ b/研究生毕业设计/文档管理/毕业设计开题.pptx
@@ -19,6 +19,7 @@
     <p:sldId id="264" r:id="rId13"/>
     <p:sldId id="270" r:id="rId14"/>
     <p:sldId id="261" r:id="rId15"/>
+    <p:sldId id="271" r:id="rId16"/>
   </p:sldIdLst>
   <p:sldSz cx="9144000" cy="6858000" type="screen4x3"/>
   <p:notesSz cx="6858000" cy="9144000"/>
@@ -5163,6 +5164,67 @@
 </p:sld>
 </file>
 
+<file path=ppt/slides/slide15.xml><?xml version="1.0" encoding="utf-8"?>
+<p:sld xmlns:a="http://schemas.openxmlformats.org/drawingml/2006/main" xmlns:r="http://schemas.openxmlformats.org/officeDocument/2006/relationships" xmlns:p="http://schemas.openxmlformats.org/presentationml/2006/main">
+  <p:cSld>
+    <p:spTree>
+      <p:nvGrpSpPr>
+        <p:cNvPr id="1" name=""/>
+        <p:cNvGrpSpPr/>
+        <p:nvPr/>
+      </p:nvGrpSpPr>
+      <p:grpSpPr>
+        <a:xfrm>
+          <a:off x="0" y="0"/>
+          <a:ext cx="0" cy="0"/>
+          <a:chOff x="0" y="0"/>
+          <a:chExt cx="0" cy="0"/>
+        </a:xfrm>
+      </p:grpSpPr>
+      <p:sp>
+        <p:nvSpPr>
+          <p:cNvPr id="2" name="标题 1"/>
+          <p:cNvSpPr>
+            <a:spLocks noGrp="1"/>
+          </p:cNvSpPr>
+          <p:nvPr>
+            <p:ph type="title"/>
+          </p:nvPr>
+        </p:nvSpPr>
+        <p:spPr>
+          <a:xfrm>
+            <a:off x="3100049" y="2646040"/>
+            <a:ext cx="3056127" cy="1143000"/>
+          </a:xfrm>
+        </p:spPr>
+        <p:txBody>
+          <a:bodyPr/>
+          <a:lstStyle/>
+          <a:p>
+            <a:pPr marL="0" indent="0">
+              <a:buNone/>
+            </a:pPr>
+            <a:r>
+              <a:rPr lang="zh-CN" altLang="en-US" dirty="0" smtClean="0"/>
+              <a:t>谢   谢！</a:t>
+            </a:r>
+            <a:endParaRPr lang="zh-CN" altLang="en-US" dirty="0"/>
+          </a:p>
+        </p:txBody>
+      </p:sp>
+    </p:spTree>
+    <p:extLst>
+      <p:ext uri="{BB962C8B-B14F-4D97-AF65-F5344CB8AC3E}">
+        <p14:creationId xmlns:p14="http://schemas.microsoft.com/office/powerpoint/2010/main" val="3106269031"/>
+      </p:ext>
+    </p:extLst>
+  </p:cSld>
+  <p:clrMapOvr>
+    <a:masterClrMapping/>
+  </p:clrMapOvr>
+</p:sld>
+</file>
+
 <file path=ppt/slides/slide2.xml><?xml version="1.0" encoding="utf-8"?>
 <p:sld xmlns:a="http://schemas.openxmlformats.org/drawingml/2006/main" xmlns:r="http://schemas.openxmlformats.org/officeDocument/2006/relationships" xmlns:p="http://schemas.openxmlformats.org/presentationml/2006/main">
   <p:cSld>
@@ -7733,11 +7795,7 @@
           <a:p>
             <a:r>
               <a:rPr lang="zh-CN" altLang="en-US" smtClean="0"/>
-              <a:t>特征提取</a:t>
-            </a:r>
-            <a:r>
-              <a:rPr lang="zh-CN" altLang="en-US" smtClean="0"/>
-              <a:t>关键</a:t>
+              <a:t>特征提取关键</a:t>
             </a:r>
             <a:r>
               <a:rPr lang="zh-CN" altLang="en-US" dirty="0" smtClean="0"/>

--- a/研究生毕业设计/文档管理/毕业设计开题.pptx
+++ b/研究生毕业设计/文档管理/毕业设计开题.pptx
@@ -543,7 +543,7 @@
           <a:p>
             <a:fld id="{530820CF-B880-4189-942D-D702A7CBA730}" type="datetimeFigureOut">
               <a:rPr lang="zh-CN" altLang="en-US" smtClean="0"/>
-              <a:t>2013/6/30</a:t>
+              <a:t>2013/7/1</a:t>
             </a:fld>
             <a:endParaRPr lang="zh-CN" altLang="en-US"/>
           </a:p>
@@ -755,7 +755,7 @@
           <a:p>
             <a:fld id="{530820CF-B880-4189-942D-D702A7CBA730}" type="datetimeFigureOut">
               <a:rPr lang="zh-CN" altLang="en-US" smtClean="0"/>
-              <a:t>2013/6/30</a:t>
+              <a:t>2013/7/1</a:t>
             </a:fld>
             <a:endParaRPr lang="zh-CN" altLang="en-US"/>
           </a:p>
@@ -942,7 +942,7 @@
           <a:p>
             <a:fld id="{530820CF-B880-4189-942D-D702A7CBA730}" type="datetimeFigureOut">
               <a:rPr lang="zh-CN" altLang="en-US" smtClean="0"/>
-              <a:t>2013/6/30</a:t>
+              <a:t>2013/7/1</a:t>
             </a:fld>
             <a:endParaRPr lang="zh-CN" altLang="en-US"/>
           </a:p>
@@ -1039,7 +1039,7 @@
           <a:p>
             <a:fld id="{530820CF-B880-4189-942D-D702A7CBA730}" type="datetimeFigureOut">
               <a:rPr lang="zh-CN" altLang="en-US" smtClean="0"/>
-              <a:t>2013/6/30</a:t>
+              <a:t>2013/7/1</a:t>
             </a:fld>
             <a:endParaRPr lang="zh-CN" altLang="en-US"/>
           </a:p>
@@ -1635,7 +1635,7 @@
           <a:p>
             <a:fld id="{530820CF-B880-4189-942D-D702A7CBA730}" type="datetimeFigureOut">
               <a:rPr lang="zh-CN" altLang="en-US" smtClean="0"/>
-              <a:t>2013/6/30</a:t>
+              <a:t>2013/7/1</a:t>
             </a:fld>
             <a:endParaRPr lang="zh-CN" altLang="en-US"/>
           </a:p>
@@ -1732,7 +1732,7 @@
           <a:p>
             <a:fld id="{530820CF-B880-4189-942D-D702A7CBA730}" type="datetimeFigureOut">
               <a:rPr lang="zh-CN" altLang="en-US" smtClean="0"/>
-              <a:t>2013/6/30</a:t>
+              <a:t>2013/7/1</a:t>
             </a:fld>
             <a:endParaRPr lang="zh-CN" altLang="en-US"/>
           </a:p>
@@ -2337,7 +2337,7 @@
           <a:p>
             <a:fld id="{530820CF-B880-4189-942D-D702A7CBA730}" type="datetimeFigureOut">
               <a:rPr lang="zh-CN" altLang="en-US" smtClean="0"/>
-              <a:t>2013/6/30</a:t>
+              <a:t>2013/7/1</a:t>
             </a:fld>
             <a:endParaRPr lang="zh-CN" altLang="en-US"/>
           </a:p>
@@ -2480,7 +2480,7 @@
           <a:p>
             <a:fld id="{530820CF-B880-4189-942D-D702A7CBA730}" type="datetimeFigureOut">
               <a:rPr lang="zh-CN" altLang="en-US" smtClean="0"/>
-              <a:t>2013/6/30</a:t>
+              <a:t>2013/7/1</a:t>
             </a:fld>
             <a:endParaRPr lang="zh-CN" altLang="en-US"/>
           </a:p>
@@ -2577,7 +2577,7 @@
           <a:p>
             <a:fld id="{530820CF-B880-4189-942D-D702A7CBA730}" type="datetimeFigureOut">
               <a:rPr lang="zh-CN" altLang="en-US" smtClean="0"/>
-              <a:t>2013/6/30</a:t>
+              <a:t>2013/7/1</a:t>
             </a:fld>
             <a:endParaRPr lang="zh-CN" altLang="en-US"/>
           </a:p>
@@ -2861,7 +2861,7 @@
           <a:p>
             <a:fld id="{530820CF-B880-4189-942D-D702A7CBA730}" type="datetimeFigureOut">
               <a:rPr lang="zh-CN" altLang="en-US" smtClean="0"/>
-              <a:t>2013/6/30</a:t>
+              <a:t>2013/7/1</a:t>
             </a:fld>
             <a:endParaRPr lang="zh-CN" altLang="en-US"/>
           </a:p>
@@ -3383,7 +3383,7 @@
           <a:p>
             <a:fld id="{530820CF-B880-4189-942D-D702A7CBA730}" type="datetimeFigureOut">
               <a:rPr lang="zh-CN" altLang="en-US" smtClean="0"/>
-              <a:t>2013/6/30</a:t>
+              <a:t>2013/7/1</a:t>
             </a:fld>
             <a:endParaRPr lang="zh-CN" altLang="en-US"/>
           </a:p>
@@ -3903,7 +3903,7 @@
           <a:p>
             <a:fld id="{530820CF-B880-4189-942D-D702A7CBA730}" type="datetimeFigureOut">
               <a:rPr lang="zh-CN" altLang="en-US" smtClean="0"/>
-              <a:t>2013/6/30</a:t>
+              <a:t>2013/7/1</a:t>
             </a:fld>
             <a:endParaRPr lang="zh-CN" altLang="en-US"/>
           </a:p>
@@ -4528,8 +4528,24 @@
           <a:lstStyle/>
           <a:p>
             <a:r>
+              <a:rPr lang="zh-CN" altLang="en-US" smtClean="0"/>
+              <a:t>基于</a:t>
+            </a:r>
+            <a:r>
+              <a:rPr lang="zh-CN" altLang="en-US" smtClean="0"/>
+              <a:t>云</a:t>
+            </a:r>
+            <a:r>
+              <a:rPr lang="zh-CN" altLang="en-US"/>
+              <a:t>计算</a:t>
+            </a:r>
+            <a:r>
+              <a:rPr lang="zh-CN" altLang="en-US" smtClean="0"/>
+              <a:t>的</a:t>
+            </a:r>
+            <a:r>
               <a:rPr lang="zh-CN" altLang="en-US" dirty="0" smtClean="0"/>
-              <a:t>基于云处理的视频摘要</a:t>
+              <a:t>视频摘要</a:t>
             </a:r>
             <a:r>
               <a:rPr lang="zh-CN" altLang="en-US" dirty="0"/>

--- a/研究生毕业设计/文档管理/毕业设计开题.pptx
+++ b/研究生毕业设计/文档管理/毕业设计开题.pptx
@@ -4528,19 +4528,19 @@
           <a:lstStyle/>
           <a:p>
             <a:r>
-              <a:rPr lang="zh-CN" altLang="en-US" smtClean="0"/>
+              <a:rPr lang="zh-CN" altLang="en-US" dirty="0" smtClean="0"/>
               <a:t>基于</a:t>
             </a:r>
             <a:r>
-              <a:rPr lang="zh-CN" altLang="en-US" smtClean="0"/>
+              <a:rPr lang="zh-CN" altLang="en-US" dirty="0" smtClean="0"/>
               <a:t>云</a:t>
             </a:r>
             <a:r>
-              <a:rPr lang="zh-CN" altLang="en-US"/>
+              <a:rPr lang="zh-CN" altLang="en-US" dirty="0"/>
               <a:t>计算</a:t>
             </a:r>
             <a:r>
-              <a:rPr lang="zh-CN" altLang="en-US" smtClean="0"/>
+              <a:rPr lang="zh-CN" altLang="en-US" dirty="0" smtClean="0"/>
               <a:t>的</a:t>
             </a:r>
             <a:r>
@@ -4971,6 +4971,13 @@
   <p:clrMapOvr>
     <a:masterClrMapping/>
   </p:clrMapOvr>
+  <p:timing>
+    <p:tnLst>
+      <p:par>
+        <p:cTn id="1" dur="indefinite" restart="never" nodeType="tmRoot"/>
+      </p:par>
+    </p:tnLst>
+  </p:timing>
 </p:sld>
 </file>
 
@@ -5083,6 +5090,13 @@
   <p:clrMapOvr>
     <a:masterClrMapping/>
   </p:clrMapOvr>
+  <p:timing>
+    <p:tnLst>
+      <p:par>
+        <p:cTn id="1" dur="indefinite" restart="never" nodeType="tmRoot"/>
+      </p:par>
+    </p:tnLst>
+  </p:timing>
 </p:sld>
 </file>
 
@@ -5177,6 +5191,13 @@
   <p:clrMapOvr>
     <a:masterClrMapping/>
   </p:clrMapOvr>
+  <p:timing>
+    <p:tnLst>
+      <p:par>
+        <p:cTn id="1" dur="indefinite" restart="never" nodeType="tmRoot"/>
+      </p:par>
+    </p:tnLst>
+  </p:timing>
 </p:sld>
 </file>
 
@@ -5238,6 +5259,13 @@
   <p:clrMapOvr>
     <a:masterClrMapping/>
   </p:clrMapOvr>
+  <p:timing>
+    <p:tnLst>
+      <p:par>
+        <p:cTn id="1" dur="indefinite" restart="never" nodeType="tmRoot"/>
+      </p:par>
+    </p:tnLst>
+  </p:timing>
 </p:sld>
 </file>
 
